--- a/문서/화면디자인.pptx
+++ b/문서/화면디자인.pptx
@@ -107,6 +107,11 @@
       </a:defRPr>
     </a:lvl9pPr>
   </p:defaultTextStyle>
+  <p:extLst>
+    <p:ext uri="{EFAFB233-063F-42B5-8137-9DF3F51BA10A}">
+      <p15:sldGuideLst xmlns:p15="http://schemas.microsoft.com/office/powerpoint/2012/main"/>
+    </p:ext>
+  </p:extLst>
 </p:presentation>
 </file>
 
@@ -3782,28 +3787,140 @@
           </a:p>
         </p:txBody>
       </p:sp>
-      <p:sp>
-        <p:nvSpPr>
-          <p:cNvPr id="3" name="내용 개체 틀 2">
-            <a:extLst>
-              <a:ext uri="{FF2B5EF4-FFF2-40B4-BE49-F238E27FC236}">
-                <a16:creationId xmlns:a16="http://schemas.microsoft.com/office/drawing/2014/main" id="{94D949D1-E3E2-46A0-B21C-737EA3DC6F19}"/>
-              </a:ext>
-            </a:extLst>
-          </p:cNvPr>
-          <p:cNvSpPr>
-            <a:spLocks noGrp="1"/>
-          </p:cNvSpPr>
+      <p:pic>
+        <p:nvPicPr>
+          <p:cNvPr id="5" name="내용 개체 틀 4" descr="주차, 표지판이(가) 표시된 사진&#10;&#10;자동 생성된 설명">
+            <a:extLst>
+              <a:ext uri="{FF2B5EF4-FFF2-40B4-BE49-F238E27FC236}">
+                <a16:creationId xmlns:a16="http://schemas.microsoft.com/office/drawing/2014/main" id="{62D7A44E-06B7-4F29-8BCD-A8B4D297A28E}"/>
+              </a:ext>
+            </a:extLst>
+          </p:cNvPr>
+          <p:cNvPicPr>
+            <a:picLocks noGrp="1" noChangeAspect="1"/>
+          </p:cNvPicPr>
           <p:nvPr>
             <p:ph idx="1"/>
           </p:nvPr>
-        </p:nvSpPr>
-        <p:spPr/>
-        <p:txBody>
-          <a:bodyPr/>
-          <a:lstStyle/>
-          <a:p>
-            <a:endParaRPr lang="ko-KR" altLang="en-US"/>
+        </p:nvPicPr>
+        <p:blipFill>
+          <a:blip r:embed="rId2">
+            <a:extLst>
+              <a:ext uri="{28A0092B-C50C-407E-A947-70E740481C1C}">
+                <a14:useLocalDpi xmlns:a14="http://schemas.microsoft.com/office/drawing/2010/main" val="0"/>
+              </a:ext>
+            </a:extLst>
+          </a:blip>
+          <a:stretch>
+            <a:fillRect/>
+          </a:stretch>
+        </p:blipFill>
+        <p:spPr>
+          <a:xfrm>
+            <a:off x="4023180" y="2781988"/>
+            <a:ext cx="4145639" cy="2438611"/>
+          </a:xfrm>
+        </p:spPr>
+      </p:pic>
+      <p:sp>
+        <p:nvSpPr>
+          <p:cNvPr id="6" name="TextBox 5">
+            <a:extLst>
+              <a:ext uri="{FF2B5EF4-FFF2-40B4-BE49-F238E27FC236}">
+                <a16:creationId xmlns:a16="http://schemas.microsoft.com/office/drawing/2014/main" id="{FA5C8EDA-4803-48E6-B60E-043E78896557}"/>
+              </a:ext>
+            </a:extLst>
+          </p:cNvPr>
+          <p:cNvSpPr txBox="1"/>
+          <p:nvPr/>
+        </p:nvSpPr>
+        <p:spPr>
+          <a:xfrm>
+            <a:off x="7277100" y="4410075"/>
+            <a:ext cx="685800" cy="276999"/>
+          </a:xfrm>
+          <a:prstGeom prst="rect">
+            <a:avLst/>
+          </a:prstGeom>
+          <a:noFill/>
+        </p:spPr>
+        <p:txBody>
+          <a:bodyPr wrap="square" rtlCol="0">
+            <a:spAutoFit/>
+          </a:bodyPr>
+          <a:lstStyle/>
+          <a:p>
+            <a:pPr algn="ctr"/>
+            <a:r>
+              <a:rPr lang="en-US" altLang="ko-KR" sz="1200" b="1" dirty="0">
+                <a:solidFill>
+                  <a:schemeClr val="accent1">
+                    <a:lumMod val="50000"/>
+                  </a:schemeClr>
+                </a:solidFill>
+                <a:latin typeface="Consolas" panose="020B0609020204030204" pitchFamily="49" charset="0"/>
+              </a:rPr>
+              <a:t>START</a:t>
+            </a:r>
+            <a:endParaRPr lang="ko-KR" altLang="en-US" sz="1200" b="1" dirty="0">
+              <a:solidFill>
+                <a:schemeClr val="accent1">
+                  <a:lumMod val="50000"/>
+                </a:schemeClr>
+              </a:solidFill>
+              <a:latin typeface="Consolas" panose="020B0609020204030204" pitchFamily="49" charset="0"/>
+            </a:endParaRPr>
+          </a:p>
+        </p:txBody>
+      </p:sp>
+      <p:sp>
+        <p:nvSpPr>
+          <p:cNvPr id="7" name="TextBox 6">
+            <a:extLst>
+              <a:ext uri="{FF2B5EF4-FFF2-40B4-BE49-F238E27FC236}">
+                <a16:creationId xmlns:a16="http://schemas.microsoft.com/office/drawing/2014/main" id="{D4F6A0D1-7C58-40ED-8749-7667C477B4E8}"/>
+              </a:ext>
+            </a:extLst>
+          </p:cNvPr>
+          <p:cNvSpPr txBox="1"/>
+          <p:nvPr/>
+        </p:nvSpPr>
+        <p:spPr>
+          <a:xfrm>
+            <a:off x="7277100" y="4796847"/>
+            <a:ext cx="685800" cy="276999"/>
+          </a:xfrm>
+          <a:prstGeom prst="rect">
+            <a:avLst/>
+          </a:prstGeom>
+          <a:noFill/>
+        </p:spPr>
+        <p:txBody>
+          <a:bodyPr wrap="square" rtlCol="0">
+            <a:spAutoFit/>
+          </a:bodyPr>
+          <a:lstStyle/>
+          <a:p>
+            <a:pPr algn="ctr"/>
+            <a:r>
+              <a:rPr lang="en-US" altLang="ko-KR" sz="1200" b="1" dirty="0">
+                <a:solidFill>
+                  <a:schemeClr val="accent1">
+                    <a:lumMod val="50000"/>
+                  </a:schemeClr>
+                </a:solidFill>
+                <a:latin typeface="Consolas" panose="020B0609020204030204" pitchFamily="49" charset="0"/>
+              </a:rPr>
+              <a:t>EXIT</a:t>
+            </a:r>
+            <a:endParaRPr lang="ko-KR" altLang="en-US" sz="1200" b="1" dirty="0">
+              <a:solidFill>
+                <a:schemeClr val="accent1">
+                  <a:lumMod val="50000"/>
+                </a:schemeClr>
+              </a:solidFill>
+              <a:latin typeface="Consolas" panose="020B0609020204030204" pitchFamily="49" charset="0"/>
+            </a:endParaRPr>
           </a:p>
         </p:txBody>
       </p:sp>
